--- a/report and presentation/QuantLib1.3 16-01-2014.pptx
+++ b/report and presentation/QuantLib1.3 16-01-2014.pptx
@@ -1852,17 +1852,7 @@
                 </a:schemeClr>
               </a:solidFill>
             </a:rPr>
-            <a:t>Work </a:t>
-          </a:r>
-          <a:r>
-            <a:rPr lang="en-US" sz="3600" b="1" dirty="0" smtClean="0">
-              <a:solidFill>
-                <a:schemeClr val="tx1">
-                  <a:lumMod val="75000"/>
-                </a:schemeClr>
-              </a:solidFill>
-            </a:rPr>
-            <a:t>flow</a:t>
+            <a:t>Work flow</a:t>
           </a:r>
         </a:p>
       </dgm:t>
@@ -2176,13 +2166,6 @@
             </a:rPr>
             <a:t>Partial-Time Barriers</a:t>
           </a:r>
-          <a:endParaRPr lang="en-US" sz="3600" b="1" dirty="0" smtClean="0">
-            <a:solidFill>
-              <a:schemeClr val="tx1">
-                <a:lumMod val="75000"/>
-              </a:schemeClr>
-            </a:solidFill>
-          </a:endParaRPr>
         </a:p>
       </dgm:t>
     </dgm:pt>
@@ -2446,27 +2429,27 @@
     </dgm:pt>
   </dgm:ptLst>
   <dgm:cxnLst>
+    <dgm:cxn modelId="{1A30709A-9FCB-4E92-9921-7978C9A47D9C}" srcId="{885755C5-982A-4DE5-B141-3DF88E43641B}" destId="{3D661867-E1C8-4021-8727-E93C87587F62}" srcOrd="0" destOrd="0" parTransId="{46034F4C-58A5-4F47-A178-C87E8026F23A}" sibTransId="{7CEC64C7-C80B-44C0-A26D-876C874B7D55}"/>
+    <dgm:cxn modelId="{184D39D7-F755-4DE4-9B48-06ED85E8AE5B}" srcId="{85AB4DCC-A184-4667-8FA8-A2A32DFE6220}" destId="{9CB0A8F5-1980-4068-9CC1-40FA56BD43D0}" srcOrd="0" destOrd="0" parTransId="{C6524B4D-7A59-44E9-A5A5-D5702AFAF48F}" sibTransId="{F19D15A0-2CC6-46D0-8D94-AC3B4044370F}"/>
+    <dgm:cxn modelId="{83605A20-A67A-4C7E-9A0D-7990D0FC4F80}" type="presOf" srcId="{E42F0122-757C-4C37-88A0-FB81BA512B4D}" destId="{7AF6DB63-6D9D-4C50-9DD7-ECCE3A23BA6F}" srcOrd="0" destOrd="0" presId="urn:microsoft.com/office/officeart/2005/8/layout/chevron2"/>
+    <dgm:cxn modelId="{326734E3-0048-4A95-9CD3-3B086DFF48FE}" srcId="{1EECF149-7A76-4C15-B14C-F06875EB4D75}" destId="{6965A9E9-7D1D-4526-AC3D-4F67C234D037}" srcOrd="0" destOrd="0" parTransId="{058F3EBC-0793-44F0-8BC8-27729EE5DAAF}" sibTransId="{0231198A-87DC-46EE-A3D8-F511E24C6DBE}"/>
+    <dgm:cxn modelId="{CD31F1AC-3B9A-4560-85DB-71A0279713F8}" srcId="{E42F0122-757C-4C37-88A0-FB81BA512B4D}" destId="{1D401610-B815-437E-A4BB-1F07B9E46326}" srcOrd="4" destOrd="0" parTransId="{A065899F-8DF3-4BF5-81D3-CCAB2CF4E6DC}" sibTransId="{60823CD2-4541-4D09-BD0F-61B215A1E742}"/>
+    <dgm:cxn modelId="{37E27C8A-AEF0-40F0-8F7A-5C03254F2FEF}" type="presOf" srcId="{6965A9E9-7D1D-4526-AC3D-4F67C234D037}" destId="{CF20245F-33D4-466F-898E-F5BB18451CED}" srcOrd="0" destOrd="0" presId="urn:microsoft.com/office/officeart/2005/8/layout/chevron2"/>
+    <dgm:cxn modelId="{5A023A98-8DD0-49B8-8CD5-158700635EDE}" type="presOf" srcId="{1EECF149-7A76-4C15-B14C-F06875EB4D75}" destId="{889AD724-97DC-4930-B9DB-DBAB3D123053}" srcOrd="0" destOrd="0" presId="urn:microsoft.com/office/officeart/2005/8/layout/chevron2"/>
+    <dgm:cxn modelId="{774D652A-5903-4471-B929-F3BD71637E42}" srcId="{E42F0122-757C-4C37-88A0-FB81BA512B4D}" destId="{7B5B3069-EFAE-4C94-921D-D6D3B7C28BB1}" srcOrd="2" destOrd="0" parTransId="{43DF23F0-5780-4289-94E2-06D88C921A65}" sibTransId="{5FB3A044-CF8B-464B-B94E-A473F34034FF}"/>
+    <dgm:cxn modelId="{B2FB4DA1-268C-45B5-AA69-88810A648ABC}" type="presOf" srcId="{2EA11D65-00CA-4A78-B78B-D77872EDCBD9}" destId="{3FF88047-6236-47E6-998D-4E3EA0983E72}" srcOrd="0" destOrd="0" presId="urn:microsoft.com/office/officeart/2005/8/layout/chevron2"/>
+    <dgm:cxn modelId="{40DDB7B8-96D2-4133-A976-3D219E9E6121}" type="presOf" srcId="{DF3886B3-D9F0-4449-97A7-82FBFE04BDB1}" destId="{0053D2EA-E96A-485A-9B47-065EB2ECE275}" srcOrd="0" destOrd="0" presId="urn:microsoft.com/office/officeart/2005/8/layout/chevron2"/>
     <dgm:cxn modelId="{B3DE9EC0-48CB-4328-B882-46AB1640ED0C}" type="presOf" srcId="{1D401610-B815-437E-A4BB-1F07B9E46326}" destId="{B42C3359-B3EE-455E-8DA8-EEADBB34ADA4}" srcOrd="0" destOrd="0" presId="urn:microsoft.com/office/officeart/2005/8/layout/chevron2"/>
-    <dgm:cxn modelId="{83605A20-A67A-4C7E-9A0D-7990D0FC4F80}" type="presOf" srcId="{E42F0122-757C-4C37-88A0-FB81BA512B4D}" destId="{7AF6DB63-6D9D-4C50-9DD7-ECCE3A23BA6F}" srcOrd="0" destOrd="0" presId="urn:microsoft.com/office/officeart/2005/8/layout/chevron2"/>
-    <dgm:cxn modelId="{40DDB7B8-96D2-4133-A976-3D219E9E6121}" type="presOf" srcId="{DF3886B3-D9F0-4449-97A7-82FBFE04BDB1}" destId="{0053D2EA-E96A-485A-9B47-065EB2ECE275}" srcOrd="0" destOrd="0" presId="urn:microsoft.com/office/officeart/2005/8/layout/chevron2"/>
+    <dgm:cxn modelId="{7CBCAA00-4623-4628-8B0B-C6751DF01BE4}" srcId="{E42F0122-757C-4C37-88A0-FB81BA512B4D}" destId="{1EECF149-7A76-4C15-B14C-F06875EB4D75}" srcOrd="0" destOrd="0" parTransId="{0ACD2AF6-740D-4014-917E-8B0B20FAD948}" sibTransId="{A1E9EB9D-5A06-4C81-8536-4377F9B66C57}"/>
     <dgm:cxn modelId="{D3975777-760C-4AB4-BA55-42F632808929}" srcId="{7B5B3069-EFAE-4C94-921D-D6D3B7C28BB1}" destId="{2EA11D65-00CA-4A78-B78B-D77872EDCBD9}" srcOrd="0" destOrd="0" parTransId="{1CA6863B-F056-4DFB-93B2-51C9DD6B7CEB}" sibTransId="{DF648B09-2058-4DB1-9CFD-BEA71015B7D5}"/>
+    <dgm:cxn modelId="{AB04F998-B988-4854-948A-7ED8494B8BCA}" type="presOf" srcId="{9CB0A8F5-1980-4068-9CC1-40FA56BD43D0}" destId="{8AB5A1D8-F846-4952-91D5-8A7FE5012D93}" srcOrd="0" destOrd="0" presId="urn:microsoft.com/office/officeart/2005/8/layout/chevron2"/>
+    <dgm:cxn modelId="{E10EE016-9C84-4394-A60C-F968C19245E2}" srcId="{E42F0122-757C-4C37-88A0-FB81BA512B4D}" destId="{885755C5-982A-4DE5-B141-3DF88E43641B}" srcOrd="1" destOrd="0" parTransId="{231D4BC0-B307-4531-B3BB-D525237B1B29}" sibTransId="{BDF1DE11-6C9F-453A-B110-4C527D6E7303}"/>
+    <dgm:cxn modelId="{0813311E-E578-4D32-8979-2C51CF645B1D}" srcId="{E42F0122-757C-4C37-88A0-FB81BA512B4D}" destId="{85AB4DCC-A184-4667-8FA8-A2A32DFE6220}" srcOrd="3" destOrd="0" parTransId="{DD0824FD-88DD-4540-82A2-9EEAE8B4599B}" sibTransId="{5B136187-5275-48E0-A906-484E6785145E}"/>
+    <dgm:cxn modelId="{ADA404A4-2709-4F6B-955B-134B6B2111D0}" type="presOf" srcId="{885755C5-982A-4DE5-B141-3DF88E43641B}" destId="{50E7F155-0B28-4EB8-A3DA-F62B28ED4788}" srcOrd="0" destOrd="0" presId="urn:microsoft.com/office/officeart/2005/8/layout/chevron2"/>
+    <dgm:cxn modelId="{4B3A80E3-44FF-4159-90A3-D24332A56200}" type="presOf" srcId="{7B5B3069-EFAE-4C94-921D-D6D3B7C28BB1}" destId="{F19540CE-E2C5-4FD1-A90C-A623A7080392}" srcOrd="0" destOrd="0" presId="urn:microsoft.com/office/officeart/2005/8/layout/chevron2"/>
+    <dgm:cxn modelId="{3299DEDE-CE00-4563-878A-86B312E36129}" type="presOf" srcId="{85AB4DCC-A184-4667-8FA8-A2A32DFE6220}" destId="{A6CE0B11-D65A-4EA5-AC61-673ADCCD0CA0}" srcOrd="0" destOrd="0" presId="urn:microsoft.com/office/officeart/2005/8/layout/chevron2"/>
     <dgm:cxn modelId="{E7E38B2F-772E-4C87-AC28-CED8FDDB5C21}" srcId="{1D401610-B815-437E-A4BB-1F07B9E46326}" destId="{DF3886B3-D9F0-4449-97A7-82FBFE04BDB1}" srcOrd="0" destOrd="0" parTransId="{88FAFEC4-219F-4CD8-9A78-8CFED220EC4B}" sibTransId="{A29424F8-1EAE-4387-AE6C-BB8741CB6684}"/>
-    <dgm:cxn modelId="{7CBCAA00-4623-4628-8B0B-C6751DF01BE4}" srcId="{E42F0122-757C-4C37-88A0-FB81BA512B4D}" destId="{1EECF149-7A76-4C15-B14C-F06875EB4D75}" srcOrd="0" destOrd="0" parTransId="{0ACD2AF6-740D-4014-917E-8B0B20FAD948}" sibTransId="{A1E9EB9D-5A06-4C81-8536-4377F9B66C57}"/>
-    <dgm:cxn modelId="{774D652A-5903-4471-B929-F3BD71637E42}" srcId="{E42F0122-757C-4C37-88A0-FB81BA512B4D}" destId="{7B5B3069-EFAE-4C94-921D-D6D3B7C28BB1}" srcOrd="2" destOrd="0" parTransId="{43DF23F0-5780-4289-94E2-06D88C921A65}" sibTransId="{5FB3A044-CF8B-464B-B94E-A473F34034FF}"/>
-    <dgm:cxn modelId="{1A30709A-9FCB-4E92-9921-7978C9A47D9C}" srcId="{885755C5-982A-4DE5-B141-3DF88E43641B}" destId="{3D661867-E1C8-4021-8727-E93C87587F62}" srcOrd="0" destOrd="0" parTransId="{46034F4C-58A5-4F47-A178-C87E8026F23A}" sibTransId="{7CEC64C7-C80B-44C0-A26D-876C874B7D55}"/>
-    <dgm:cxn modelId="{E10EE016-9C84-4394-A60C-F968C19245E2}" srcId="{E42F0122-757C-4C37-88A0-FB81BA512B4D}" destId="{885755C5-982A-4DE5-B141-3DF88E43641B}" srcOrd="1" destOrd="0" parTransId="{231D4BC0-B307-4531-B3BB-D525237B1B29}" sibTransId="{BDF1DE11-6C9F-453A-B110-4C527D6E7303}"/>
-    <dgm:cxn modelId="{184D39D7-F755-4DE4-9B48-06ED85E8AE5B}" srcId="{85AB4DCC-A184-4667-8FA8-A2A32DFE6220}" destId="{9CB0A8F5-1980-4068-9CC1-40FA56BD43D0}" srcOrd="0" destOrd="0" parTransId="{C6524B4D-7A59-44E9-A5A5-D5702AFAF48F}" sibTransId="{F19D15A0-2CC6-46D0-8D94-AC3B4044370F}"/>
-    <dgm:cxn modelId="{4B3A80E3-44FF-4159-90A3-D24332A56200}" type="presOf" srcId="{7B5B3069-EFAE-4C94-921D-D6D3B7C28BB1}" destId="{F19540CE-E2C5-4FD1-A90C-A623A7080392}" srcOrd="0" destOrd="0" presId="urn:microsoft.com/office/officeart/2005/8/layout/chevron2"/>
-    <dgm:cxn modelId="{0813311E-E578-4D32-8979-2C51CF645B1D}" srcId="{E42F0122-757C-4C37-88A0-FB81BA512B4D}" destId="{85AB4DCC-A184-4667-8FA8-A2A32DFE6220}" srcOrd="3" destOrd="0" parTransId="{DD0824FD-88DD-4540-82A2-9EEAE8B4599B}" sibTransId="{5B136187-5275-48E0-A906-484E6785145E}"/>
-    <dgm:cxn modelId="{37E27C8A-AEF0-40F0-8F7A-5C03254F2FEF}" type="presOf" srcId="{6965A9E9-7D1D-4526-AC3D-4F67C234D037}" destId="{CF20245F-33D4-466F-898E-F5BB18451CED}" srcOrd="0" destOrd="0" presId="urn:microsoft.com/office/officeart/2005/8/layout/chevron2"/>
     <dgm:cxn modelId="{669133A1-0926-46A5-BF9B-ACB75A21F02E}" type="presOf" srcId="{3D661867-E1C8-4021-8727-E93C87587F62}" destId="{5D21B0F4-0BFF-4375-93B3-BD56BB6213EC}" srcOrd="0" destOrd="0" presId="urn:microsoft.com/office/officeart/2005/8/layout/chevron2"/>
-    <dgm:cxn modelId="{AB04F998-B988-4854-948A-7ED8494B8BCA}" type="presOf" srcId="{9CB0A8F5-1980-4068-9CC1-40FA56BD43D0}" destId="{8AB5A1D8-F846-4952-91D5-8A7FE5012D93}" srcOrd="0" destOrd="0" presId="urn:microsoft.com/office/officeart/2005/8/layout/chevron2"/>
-    <dgm:cxn modelId="{5A023A98-8DD0-49B8-8CD5-158700635EDE}" type="presOf" srcId="{1EECF149-7A76-4C15-B14C-F06875EB4D75}" destId="{889AD724-97DC-4930-B9DB-DBAB3D123053}" srcOrd="0" destOrd="0" presId="urn:microsoft.com/office/officeart/2005/8/layout/chevron2"/>
-    <dgm:cxn modelId="{326734E3-0048-4A95-9CD3-3B086DFF48FE}" srcId="{1EECF149-7A76-4C15-B14C-F06875EB4D75}" destId="{6965A9E9-7D1D-4526-AC3D-4F67C234D037}" srcOrd="0" destOrd="0" parTransId="{058F3EBC-0793-44F0-8BC8-27729EE5DAAF}" sibTransId="{0231198A-87DC-46EE-A3D8-F511E24C6DBE}"/>
-    <dgm:cxn modelId="{3299DEDE-CE00-4563-878A-86B312E36129}" type="presOf" srcId="{85AB4DCC-A184-4667-8FA8-A2A32DFE6220}" destId="{A6CE0B11-D65A-4EA5-AC61-673ADCCD0CA0}" srcOrd="0" destOrd="0" presId="urn:microsoft.com/office/officeart/2005/8/layout/chevron2"/>
-    <dgm:cxn modelId="{CD31F1AC-3B9A-4560-85DB-71A0279713F8}" srcId="{E42F0122-757C-4C37-88A0-FB81BA512B4D}" destId="{1D401610-B815-437E-A4BB-1F07B9E46326}" srcOrd="4" destOrd="0" parTransId="{A065899F-8DF3-4BF5-81D3-CCAB2CF4E6DC}" sibTransId="{60823CD2-4541-4D09-BD0F-61B215A1E742}"/>
-    <dgm:cxn modelId="{B2FB4DA1-268C-45B5-AA69-88810A648ABC}" type="presOf" srcId="{2EA11D65-00CA-4A78-B78B-D77872EDCBD9}" destId="{3FF88047-6236-47E6-998D-4E3EA0983E72}" srcOrd="0" destOrd="0" presId="urn:microsoft.com/office/officeart/2005/8/layout/chevron2"/>
-    <dgm:cxn modelId="{ADA404A4-2709-4F6B-955B-134B6B2111D0}" type="presOf" srcId="{885755C5-982A-4DE5-B141-3DF88E43641B}" destId="{50E7F155-0B28-4EB8-A3DA-F62B28ED4788}" srcOrd="0" destOrd="0" presId="urn:microsoft.com/office/officeart/2005/8/layout/chevron2"/>
     <dgm:cxn modelId="{7B30810B-7DF3-4DE6-AC37-0E36A748131E}" type="presParOf" srcId="{7AF6DB63-6D9D-4C50-9DD7-ECCE3A23BA6F}" destId="{52AE4C21-0F3C-46FC-A703-8C30012A3A65}" srcOrd="0" destOrd="0" presId="urn:microsoft.com/office/officeart/2005/8/layout/chevron2"/>
     <dgm:cxn modelId="{6A2722F9-D5A9-477C-BC5A-ADDA627EB8C4}" type="presParOf" srcId="{52AE4C21-0F3C-46FC-A703-8C30012A3A65}" destId="{889AD724-97DC-4930-B9DB-DBAB3D123053}" srcOrd="0" destOrd="0" presId="urn:microsoft.com/office/officeart/2005/8/layout/chevron2"/>
     <dgm:cxn modelId="{3DC27FD3-6064-43A1-95C6-868D7B019C6F}" type="presParOf" srcId="{52AE4C21-0F3C-46FC-A703-8C30012A3A65}" destId="{CF20245F-33D4-466F-898E-F5BB18451CED}" srcOrd="1" destOrd="0" presId="urn:microsoft.com/office/officeart/2005/8/layout/chevron2"/>
@@ -3617,8 +3600,8 @@
     </dgm:pt>
   </dgm:ptLst>
   <dgm:cxnLst>
+    <dgm:cxn modelId="{E5802E37-D108-434B-B399-4DACB4243DE1}" type="presOf" srcId="{E56B29C0-77D9-4022-BB79-3AD166AF2748}" destId="{6D247183-54AA-470A-818E-1A1184FF6399}" srcOrd="0" destOrd="0" presId="urn:microsoft.com/office/officeart/2005/8/layout/default"/>
     <dgm:cxn modelId="{699722AD-1E43-42FA-BED2-4333ADD98A8B}" type="presOf" srcId="{F5FA9416-192F-4DEE-AA7D-AA0CD3B2E886}" destId="{E1B0E9A4-80BC-4BE1-AFC6-851C9D5AEC53}" srcOrd="0" destOrd="0" presId="urn:microsoft.com/office/officeart/2005/8/layout/default"/>
-    <dgm:cxn modelId="{E5802E37-D108-434B-B399-4DACB4243DE1}" type="presOf" srcId="{E56B29C0-77D9-4022-BB79-3AD166AF2748}" destId="{6D247183-54AA-470A-818E-1A1184FF6399}" srcOrd="0" destOrd="0" presId="urn:microsoft.com/office/officeart/2005/8/layout/default"/>
     <dgm:cxn modelId="{ECD0D5EA-5EC0-4FA0-941C-8288CC1F9D97}" srcId="{28495203-B470-42B2-964A-C44909A03B01}" destId="{E56B29C0-77D9-4022-BB79-3AD166AF2748}" srcOrd="3" destOrd="0" parTransId="{181073A3-D400-48EA-A1BA-7AFD51255304}" sibTransId="{8583F6E0-E596-415C-B0AD-D90C9736B651}"/>
     <dgm:cxn modelId="{D7DBCB06-4AA6-4B9F-AE85-53C662986B73}" type="presOf" srcId="{0E96282A-0062-402E-91AF-7B600A4ADD58}" destId="{F330022E-AEF2-4F3F-987D-D67ADFE6F099}" srcOrd="0" destOrd="0" presId="urn:microsoft.com/office/officeart/2005/8/layout/default"/>
     <dgm:cxn modelId="{827E4305-CFB7-4438-BD61-5E2263822395}" srcId="{28495203-B470-42B2-964A-C44909A03B01}" destId="{0E96282A-0062-402E-91AF-7B600A4ADD58}" srcOrd="2" destOrd="0" parTransId="{F4EBF6EF-D3BA-452F-9992-51264D611D25}" sibTransId="{CC3F135B-47E5-4011-A137-FB29A2878EEA}"/>
@@ -3628,10 +3611,10 @@
     <dgm:cxn modelId="{4FB7C848-7784-4092-A42E-C034DB2630A8}" type="presOf" srcId="{562F99D0-6AB3-4C76-936E-755766763C1D}" destId="{AC755BD8-DC67-46EF-9D15-700F438CC005}" srcOrd="0" destOrd="0" presId="urn:microsoft.com/office/officeart/2005/8/layout/default"/>
     <dgm:cxn modelId="{95E4EE2F-E116-4C67-B46B-44F8CD56C0E3}" type="presOf" srcId="{6E6B3509-C532-4E3E-BABC-19A5EC8EFD53}" destId="{25EF8A6E-5345-4F34-9AFD-D8E4DF2CC5DA}" srcOrd="0" destOrd="0" presId="urn:microsoft.com/office/officeart/2005/8/layout/default"/>
     <dgm:cxn modelId="{857B140F-7CF7-473A-8122-F777B4E82001}" type="presOf" srcId="{28495203-B470-42B2-964A-C44909A03B01}" destId="{3297FF5F-844D-4E17-A855-154B429740AE}" srcOrd="0" destOrd="0" presId="urn:microsoft.com/office/officeart/2005/8/layout/default"/>
+    <dgm:cxn modelId="{EB6DDF11-F27D-494E-8BBB-4AE4EA99E88D}" type="presOf" srcId="{B573758B-C48A-49B0-8E59-82049D1F1BB3}" destId="{1DEEB5A0-2741-46DF-84D1-3FCD8FDAB590}" srcOrd="0" destOrd="0" presId="urn:microsoft.com/office/officeart/2005/8/layout/default"/>
     <dgm:cxn modelId="{2E2F88F7-BBB5-418E-9F7B-23F1AB3E1BCF}" srcId="{28495203-B470-42B2-964A-C44909A03B01}" destId="{6DA3FD95-9326-4DC7-91A0-F3F876E31698}" srcOrd="7" destOrd="0" parTransId="{5F5FD9BA-5F79-4021-AFD2-5BCCF293F993}" sibTransId="{DD08ECC5-CFDE-447A-AE70-3B4F8F9D9A39}"/>
-    <dgm:cxn modelId="{EB6DDF11-F27D-494E-8BBB-4AE4EA99E88D}" type="presOf" srcId="{B573758B-C48A-49B0-8E59-82049D1F1BB3}" destId="{1DEEB5A0-2741-46DF-84D1-3FCD8FDAB590}" srcOrd="0" destOrd="0" presId="urn:microsoft.com/office/officeart/2005/8/layout/default"/>
+    <dgm:cxn modelId="{9B6AE4E9-06BC-488C-A859-1641181D8039}" type="presOf" srcId="{DF941110-61E7-45C9-ADD3-7C84EF4E37B2}" destId="{3D17B0CD-4579-410F-A86F-1AE519060AAD}" srcOrd="0" destOrd="0" presId="urn:microsoft.com/office/officeart/2005/8/layout/default"/>
     <dgm:cxn modelId="{D95C9A6B-116D-4FAF-B0F9-93572A4F88D7}" srcId="{28495203-B470-42B2-964A-C44909A03B01}" destId="{F5FA9416-192F-4DEE-AA7D-AA0CD3B2E886}" srcOrd="1" destOrd="0" parTransId="{334D663A-6FEE-43D7-99FB-126EFC9E0533}" sibTransId="{2EBDF58F-3360-41AB-88C0-61EFB1808C8C}"/>
-    <dgm:cxn modelId="{9B6AE4E9-06BC-488C-A859-1641181D8039}" type="presOf" srcId="{DF941110-61E7-45C9-ADD3-7C84EF4E37B2}" destId="{3D17B0CD-4579-410F-A86F-1AE519060AAD}" srcOrd="0" destOrd="0" presId="urn:microsoft.com/office/officeart/2005/8/layout/default"/>
     <dgm:cxn modelId="{CCF6B7CA-2576-464A-B788-6A9CEE01A7C9}" srcId="{28495203-B470-42B2-964A-C44909A03B01}" destId="{562F99D0-6AB3-4C76-936E-755766763C1D}" srcOrd="0" destOrd="0" parTransId="{5ED5535B-65A7-4496-99FD-A661532CFDAE}" sibTransId="{28AE290C-DF1F-40C7-AE8F-56B3E4016A1E}"/>
     <dgm:cxn modelId="{7A72D317-89D7-4D91-8A23-43FB0C8D4611}" srcId="{28495203-B470-42B2-964A-C44909A03B01}" destId="{DF941110-61E7-45C9-ADD3-7C84EF4E37B2}" srcOrd="8" destOrd="0" parTransId="{9E7F0F06-ED90-4781-9EAC-2DAEC61CE6A1}" sibTransId="{2ADA857A-60AF-45CC-8D83-F2A67AA2DD30}"/>
     <dgm:cxn modelId="{1A162A32-37EC-4847-B92F-C0B9159B9132}" srcId="{28495203-B470-42B2-964A-C44909A03B01}" destId="{39EEEC24-1E6A-46D4-97D7-D7BE4DCDA6B7}" srcOrd="5" destOrd="0" parTransId="{BF0B2BFB-25A7-4C20-ABBE-8B9BA71DB3BC}" sibTransId="{A05C6022-B239-4085-B6AF-4171E73217DC}"/>
@@ -4341,13 +4324,6 @@
             </a:rPr>
             <a:t>Partial-Time Barriers</a:t>
           </a:r>
-          <a:endParaRPr lang="en-US" sz="3600" b="1" kern="1200" dirty="0" smtClean="0">
-            <a:solidFill>
-              <a:schemeClr val="tx1">
-                <a:lumMod val="75000"/>
-              </a:schemeClr>
-            </a:solidFill>
-          </a:endParaRPr>
         </a:p>
       </dsp:txBody>
       <dsp:txXfrm rot="-5400000">
@@ -4512,17 +4488,7 @@
                 </a:schemeClr>
               </a:solidFill>
             </a:rPr>
-            <a:t>Work </a:t>
-          </a:r>
-          <a:r>
-            <a:rPr lang="en-US" sz="3600" b="1" kern="1200" dirty="0" smtClean="0">
-              <a:solidFill>
-                <a:schemeClr val="tx1">
-                  <a:lumMod val="75000"/>
-                </a:schemeClr>
-              </a:solidFill>
-            </a:rPr>
-            <a:t>flow</a:t>
+            <a:t>Work flow</a:t>
           </a:r>
         </a:p>
       </dsp:txBody>
@@ -8168,7 +8134,7 @@
           <a:p>
             <a:fld id="{A5B79866-9979-4A08-95CB-AFF34DA103C3}" type="datetimeFigureOut">
               <a:rPr lang="en-US" smtClean="0"/>
-              <a:t>1/13/2014</a:t>
+              <a:t>1/14/2014</a:t>
             </a:fld>
             <a:endParaRPr lang="en-US"/>
           </a:p>
@@ -8234,7 +8200,7 @@
           <a:p>
             <a:fld id="{B2FE3A97-0B40-47F5-A976-A7C7A0FD8429}" type="slidenum">
               <a:rPr lang="en-US" smtClean="0"/>
-              <a:t>‹#›</a:t>
+              <a:t>‹N°›</a:t>
             </a:fld>
             <a:endParaRPr lang="en-US"/>
           </a:p>
@@ -8334,7 +8300,7 @@
           <a:p>
             <a:fld id="{152D1A2D-D097-4BDF-A626-3A1EA74F97C2}" type="datetimeFigureOut">
               <a:rPr lang="en-US" smtClean="0"/>
-              <a:t>1/13/2014</a:t>
+              <a:t>1/14/2014</a:t>
             </a:fld>
             <a:endParaRPr lang="en-US"/>
           </a:p>
@@ -8493,7 +8459,7 @@
           <a:p>
             <a:fld id="{6BA41965-3D40-4735-8368-97257CDCD385}" type="slidenum">
               <a:rPr lang="en-US" smtClean="0"/>
-              <a:t>‹#›</a:t>
+              <a:t>‹N°›</a:t>
             </a:fld>
             <a:endParaRPr lang="en-US"/>
           </a:p>
@@ -9712,7 +9678,7 @@
           <a:effectLst/>
           <a:extLst>
             <a:ext uri="{91240B29-F687-4f45-9708-019B960494DF}">
-              <a14:hiddenLine xmlns="" xmlns:a14="http://schemas.microsoft.com/office/drawing/2010/main" w="9525">
+              <a14:hiddenLine xmlns:a14="http://schemas.microsoft.com/office/drawing/2010/main" xmlns="" w="9525">
                 <a:solidFill>
                   <a:srgbClr val="000000"/>
                 </a:solidFill>
@@ -9904,7 +9870,7 @@
           <a:p>
             <a:fld id="{009C9263-B010-43F4-9452-A080E1AD4039}" type="datetimeFigureOut">
               <a:rPr lang="en-US" smtClean="0"/>
-              <a:t>1/13/2014</a:t>
+              <a:t>1/14/2014</a:t>
             </a:fld>
             <a:endParaRPr lang="en-US"/>
           </a:p>
@@ -9946,7 +9912,7 @@
           <a:p>
             <a:fld id="{91CCA55A-3F50-488D-A5E8-01F0969640CB}" type="slidenum">
               <a:rPr lang="en-US" smtClean="0"/>
-              <a:t>‹#›</a:t>
+              <a:t>‹N°›</a:t>
             </a:fld>
             <a:endParaRPr lang="en-US"/>
           </a:p>
@@ -10222,7 +10188,7 @@
           <a:p>
             <a:fld id="{009C9263-B010-43F4-9452-A080E1AD4039}" type="datetimeFigureOut">
               <a:rPr lang="en-US" smtClean="0"/>
-              <a:t>1/13/2014</a:t>
+              <a:t>1/14/2014</a:t>
             </a:fld>
             <a:endParaRPr lang="en-US"/>
           </a:p>
@@ -10264,7 +10230,7 @@
           <a:p>
             <a:fld id="{91CCA55A-3F50-488D-A5E8-01F0969640CB}" type="slidenum">
               <a:rPr lang="en-US" smtClean="0"/>
-              <a:t>‹#›</a:t>
+              <a:t>‹N°›</a:t>
             </a:fld>
             <a:endParaRPr lang="en-US"/>
           </a:p>
@@ -10710,7 +10676,7 @@
           <a:p>
             <a:fld id="{009C9263-B010-43F4-9452-A080E1AD4039}" type="datetimeFigureOut">
               <a:rPr lang="en-US" smtClean="0"/>
-              <a:t>1/13/2014</a:t>
+              <a:t>1/14/2014</a:t>
             </a:fld>
             <a:endParaRPr lang="en-US"/>
           </a:p>
@@ -10752,7 +10718,7 @@
           <a:p>
             <a:fld id="{91CCA55A-3F50-488D-A5E8-01F0969640CB}" type="slidenum">
               <a:rPr lang="en-US" smtClean="0"/>
-              <a:t>‹#›</a:t>
+              <a:t>‹N°›</a:t>
             </a:fld>
             <a:endParaRPr lang="en-US"/>
           </a:p>
@@ -11079,7 +11045,7 @@
           <a:p>
             <a:fld id="{009C9263-B010-43F4-9452-A080E1AD4039}" type="datetimeFigureOut">
               <a:rPr lang="en-US" smtClean="0"/>
-              <a:t>1/13/2014</a:t>
+              <a:t>1/14/2014</a:t>
             </a:fld>
             <a:endParaRPr lang="en-US"/>
           </a:p>
@@ -11121,7 +11087,7 @@
           <a:p>
             <a:fld id="{91CCA55A-3F50-488D-A5E8-01F0969640CB}" type="slidenum">
               <a:rPr lang="en-US" smtClean="0"/>
-              <a:t>‹#›</a:t>
+              <a:t>‹N°›</a:t>
             </a:fld>
             <a:endParaRPr lang="en-US"/>
           </a:p>
@@ -11234,7 +11200,7 @@
           <a:ln/>
           <a:extLst>
             <a:ext uri="{91240B29-F687-4f45-9708-019B960494DF}">
-              <a14:hiddenLine xmlns="" xmlns:a14="http://schemas.microsoft.com/office/drawing/2010/main" w="9525">
+              <a14:hiddenLine xmlns:a14="http://schemas.microsoft.com/office/drawing/2010/main" xmlns="" w="9525">
                 <a:solidFill>
                   <a:srgbClr val="000000"/>
                 </a:solidFill>
@@ -11352,7 +11318,7 @@
           <a:p>
             <a:fld id="{009C9263-B010-43F4-9452-A080E1AD4039}" type="datetimeFigureOut">
               <a:rPr lang="en-US" smtClean="0"/>
-              <a:t>1/13/2014</a:t>
+              <a:t>1/14/2014</a:t>
             </a:fld>
             <a:endParaRPr lang="en-US"/>
           </a:p>
@@ -11394,7 +11360,7 @@
           <a:p>
             <a:fld id="{91CCA55A-3F50-488D-A5E8-01F0969640CB}" type="slidenum">
               <a:rPr lang="en-US" smtClean="0"/>
-              <a:t>‹#›</a:t>
+              <a:t>‹N°›</a:t>
             </a:fld>
             <a:endParaRPr lang="en-US"/>
           </a:p>
@@ -11509,7 +11475,7 @@
           <a:ln/>
           <a:extLst>
             <a:ext uri="{91240B29-F687-4f45-9708-019B960494DF}">
-              <a14:hiddenLine xmlns="" xmlns:a14="http://schemas.microsoft.com/office/drawing/2010/main" w="9525">
+              <a14:hiddenLine xmlns:a14="http://schemas.microsoft.com/office/drawing/2010/main" xmlns="" w="9525">
                 <a:solidFill>
                   <a:srgbClr val="000000"/>
                 </a:solidFill>
@@ -11637,7 +11603,7 @@
           <a:p>
             <a:fld id="{009C9263-B010-43F4-9452-A080E1AD4039}" type="datetimeFigureOut">
               <a:rPr lang="en-US" smtClean="0"/>
-              <a:t>1/13/2014</a:t>
+              <a:t>1/14/2014</a:t>
             </a:fld>
             <a:endParaRPr lang="en-US"/>
           </a:p>
@@ -11679,7 +11645,7 @@
           <a:p>
             <a:fld id="{91CCA55A-3F50-488D-A5E8-01F0969640CB}" type="slidenum">
               <a:rPr lang="en-US" smtClean="0"/>
-              <a:t>‹#›</a:t>
+              <a:t>‹N°›</a:t>
             </a:fld>
             <a:endParaRPr lang="en-US"/>
           </a:p>
@@ -11792,7 +11758,7 @@
           <a:ln/>
           <a:extLst>
             <a:ext uri="{91240B29-F687-4f45-9708-019B960494DF}">
-              <a14:hiddenLine xmlns="" xmlns:a14="http://schemas.microsoft.com/office/drawing/2010/main" w="9525">
+              <a14:hiddenLine xmlns:a14="http://schemas.microsoft.com/office/drawing/2010/main" xmlns="" w="9525">
                 <a:solidFill>
                   <a:srgbClr val="000000"/>
                 </a:solidFill>
@@ -11920,7 +11886,7 @@
           <a:p>
             <a:fld id="{009C9263-B010-43F4-9452-A080E1AD4039}" type="datetimeFigureOut">
               <a:rPr lang="en-US" smtClean="0"/>
-              <a:t>1/13/2014</a:t>
+              <a:t>1/14/2014</a:t>
             </a:fld>
             <a:endParaRPr lang="en-US"/>
           </a:p>
@@ -11962,7 +11928,7 @@
           <a:p>
             <a:fld id="{91CCA55A-3F50-488D-A5E8-01F0969640CB}" type="slidenum">
               <a:rPr lang="en-US" smtClean="0"/>
-              <a:t>‹#›</a:t>
+              <a:t>‹N°›</a:t>
             </a:fld>
             <a:endParaRPr lang="en-US"/>
           </a:p>
@@ -12263,7 +12229,7 @@
           <a:p>
             <a:fld id="{009C9263-B010-43F4-9452-A080E1AD4039}" type="datetimeFigureOut">
               <a:rPr lang="en-US" smtClean="0"/>
-              <a:t>1/13/2014</a:t>
+              <a:t>1/14/2014</a:t>
             </a:fld>
             <a:endParaRPr lang="en-US"/>
           </a:p>
@@ -12305,7 +12271,7 @@
           <a:p>
             <a:fld id="{91CCA55A-3F50-488D-A5E8-01F0969640CB}" type="slidenum">
               <a:rPr lang="en-US" smtClean="0"/>
-              <a:t>‹#›</a:t>
+              <a:t>‹N°›</a:t>
             </a:fld>
             <a:endParaRPr lang="en-US"/>
           </a:p>
@@ -12418,7 +12384,7 @@
           <a:ln/>
           <a:extLst>
             <a:ext uri="{91240B29-F687-4f45-9708-019B960494DF}">
-              <a14:hiddenLine xmlns="" xmlns:a14="http://schemas.microsoft.com/office/drawing/2010/main" w="9525">
+              <a14:hiddenLine xmlns:a14="http://schemas.microsoft.com/office/drawing/2010/main" xmlns="" w="9525">
                 <a:solidFill>
                   <a:srgbClr val="000000"/>
                 </a:solidFill>
@@ -12602,7 +12568,7 @@
           <a:p>
             <a:fld id="{009C9263-B010-43F4-9452-A080E1AD4039}" type="datetimeFigureOut">
               <a:rPr lang="en-US" smtClean="0"/>
-              <a:t>1/13/2014</a:t>
+              <a:t>1/14/2014</a:t>
             </a:fld>
             <a:endParaRPr lang="en-US"/>
           </a:p>
@@ -12644,7 +12610,7 @@
           <a:p>
             <a:fld id="{91CCA55A-3F50-488D-A5E8-01F0969640CB}" type="slidenum">
               <a:rPr lang="en-US" smtClean="0"/>
-              <a:t>‹#›</a:t>
+              <a:t>‹N°›</a:t>
             </a:fld>
             <a:endParaRPr lang="en-US"/>
           </a:p>
@@ -12757,7 +12723,7 @@
           <a:ln/>
           <a:extLst>
             <a:ext uri="{91240B29-F687-4f45-9708-019B960494DF}">
-              <a14:hiddenLine xmlns="" xmlns:a14="http://schemas.microsoft.com/office/drawing/2010/main" w="9525">
+              <a14:hiddenLine xmlns:a14="http://schemas.microsoft.com/office/drawing/2010/main" xmlns="" w="9525">
                 <a:solidFill>
                   <a:srgbClr val="000000"/>
                 </a:solidFill>
@@ -13079,7 +13045,7 @@
           <a:p>
             <a:fld id="{009C9263-B010-43F4-9452-A080E1AD4039}" type="datetimeFigureOut">
               <a:rPr lang="en-US" smtClean="0"/>
-              <a:t>1/13/2014</a:t>
+              <a:t>1/14/2014</a:t>
             </a:fld>
             <a:endParaRPr lang="en-US"/>
           </a:p>
@@ -13121,7 +13087,7 @@
           <a:p>
             <a:fld id="{91CCA55A-3F50-488D-A5E8-01F0969640CB}" type="slidenum">
               <a:rPr lang="en-US" smtClean="0"/>
-              <a:t>‹#›</a:t>
+              <a:t>‹N°›</a:t>
             </a:fld>
             <a:endParaRPr lang="en-US"/>
           </a:p>
@@ -13234,7 +13200,7 @@
           <a:ln/>
           <a:extLst>
             <a:ext uri="{91240B29-F687-4f45-9708-019B960494DF}">
-              <a14:hiddenLine xmlns="" xmlns:a14="http://schemas.microsoft.com/office/drawing/2010/main" w="9525">
+              <a14:hiddenLine xmlns:a14="http://schemas.microsoft.com/office/drawing/2010/main" xmlns="" w="9525">
                 <a:solidFill>
                   <a:srgbClr val="000000"/>
                 </a:solidFill>
@@ -13300,7 +13266,7 @@
           <a:p>
             <a:fld id="{009C9263-B010-43F4-9452-A080E1AD4039}" type="datetimeFigureOut">
               <a:rPr lang="en-US" smtClean="0"/>
-              <a:t>1/13/2014</a:t>
+              <a:t>1/14/2014</a:t>
             </a:fld>
             <a:endParaRPr lang="en-US"/>
           </a:p>
@@ -13342,7 +13308,7 @@
           <a:p>
             <a:fld id="{91CCA55A-3F50-488D-A5E8-01F0969640CB}" type="slidenum">
               <a:rPr lang="en-US" smtClean="0"/>
-              <a:t>‹#›</a:t>
+              <a:t>‹N°›</a:t>
             </a:fld>
             <a:endParaRPr lang="en-US"/>
           </a:p>
@@ -13395,7 +13361,7 @@
           <a:p>
             <a:fld id="{009C9263-B010-43F4-9452-A080E1AD4039}" type="datetimeFigureOut">
               <a:rPr lang="en-US" smtClean="0"/>
-              <a:t>1/13/2014</a:t>
+              <a:t>1/14/2014</a:t>
             </a:fld>
             <a:endParaRPr lang="en-US"/>
           </a:p>
@@ -13437,7 +13403,7 @@
           <a:p>
             <a:fld id="{91CCA55A-3F50-488D-A5E8-01F0969640CB}" type="slidenum">
               <a:rPr lang="en-US" smtClean="0"/>
-              <a:t>‹#›</a:t>
+              <a:t>‹N°›</a:t>
             </a:fld>
             <a:endParaRPr lang="en-US"/>
           </a:p>
@@ -13663,7 +13629,7 @@
           <a:ln/>
           <a:extLst>
             <a:ext uri="{91240B29-F687-4f45-9708-019B960494DF}">
-              <a14:hiddenLine xmlns="" xmlns:a14="http://schemas.microsoft.com/office/drawing/2010/main" w="9525">
+              <a14:hiddenLine xmlns:a14="http://schemas.microsoft.com/office/drawing/2010/main" xmlns="" w="9525">
                 <a:solidFill>
                   <a:srgbClr val="000000"/>
                 </a:solidFill>
@@ -13862,7 +13828,7 @@
           <a:p>
             <a:fld id="{009C9263-B010-43F4-9452-A080E1AD4039}" type="datetimeFigureOut">
               <a:rPr lang="en-US" smtClean="0"/>
-              <a:t>1/13/2014</a:t>
+              <a:t>1/14/2014</a:t>
             </a:fld>
             <a:endParaRPr lang="en-US"/>
           </a:p>
@@ -13904,7 +13870,7 @@
           <a:p>
             <a:fld id="{91CCA55A-3F50-488D-A5E8-01F0969640CB}" type="slidenum">
               <a:rPr lang="en-US" smtClean="0"/>
-              <a:t>‹#›</a:t>
+              <a:t>‹N°›</a:t>
             </a:fld>
             <a:endParaRPr lang="en-US"/>
           </a:p>
@@ -14175,7 +14141,7 @@
           <a:p>
             <a:fld id="{009C9263-B010-43F4-9452-A080E1AD4039}" type="datetimeFigureOut">
               <a:rPr lang="en-US" smtClean="0"/>
-              <a:t>1/13/2014</a:t>
+              <a:t>1/14/2014</a:t>
             </a:fld>
             <a:endParaRPr lang="en-US"/>
           </a:p>
@@ -14227,7 +14193,7 @@
           <a:p>
             <a:fld id="{91CCA55A-3F50-488D-A5E8-01F0969640CB}" type="slidenum">
               <a:rPr lang="en-US" smtClean="0"/>
-              <a:t>‹#›</a:t>
+              <a:t>‹N°›</a:t>
             </a:fld>
             <a:endParaRPr lang="en-US"/>
           </a:p>
@@ -14445,7 +14411,7 @@
           <a:p>
             <a:fld id="{009C9263-B010-43F4-9452-A080E1AD4039}" type="datetimeFigureOut">
               <a:rPr lang="en-US" smtClean="0"/>
-              <a:t>1/13/2014</a:t>
+              <a:t>1/14/2014</a:t>
             </a:fld>
             <a:endParaRPr lang="en-US"/>
           </a:p>
@@ -14484,7 +14450,7 @@
           <a:p>
             <a:fld id="{91CCA55A-3F50-488D-A5E8-01F0969640CB}" type="slidenum">
               <a:rPr lang="en-US" smtClean="0"/>
-              <a:t>‹#›</a:t>
+              <a:t>‹N°›</a:t>
             </a:fld>
             <a:endParaRPr lang="en-US"/>
           </a:p>
@@ -15429,7 +15395,7 @@
                 </a:effectLst>
               </a:rPr>
               <a:pPr algn="ctr"/>
-              <a:t>1/13/2014</a:t>
+              <a:t>1/14/2014</a:t>
             </a:fld>
             <a:endParaRPr lang="en-US" sz="2400" b="1" dirty="0">
               <a:ln w="0"/>
@@ -15472,14 +15438,9 @@
   <p:cSld>
     <p:bg>
       <p:bgPr>
-        <a:pattFill prst="pct5">
-          <a:fgClr>
-            <a:schemeClr val="bg2"/>
-          </a:fgClr>
-          <a:bgClr>
-            <a:schemeClr val="bg1"/>
-          </a:bgClr>
-        </a:pattFill>
+        <a:solidFill>
+          <a:schemeClr val="tx1"/>
+        </a:solidFill>
         <a:effectLst/>
       </p:bgPr>
     </p:bg>
@@ -15840,11 +15801,7 @@
             <a:pPr lvl="0"/>
             <a:r>
               <a:rPr lang="en-US" dirty="0" smtClean="0"/>
-              <a:t>V-Work </a:t>
-            </a:r>
-            <a:r>
-              <a:rPr lang="en-US" dirty="0" smtClean="0"/>
-              <a:t>flow</a:t>
+              <a:t>V-Work flow</a:t>
             </a:r>
             <a:endParaRPr lang="en-US" dirty="0"/>
           </a:p>
@@ -20174,14 +20131,9 @@
   <p:cSld>
     <p:bg>
       <p:bgPr>
-        <a:pattFill prst="pct5">
-          <a:fgClr>
-            <a:schemeClr val="bg2"/>
-          </a:fgClr>
-          <a:bgClr>
-            <a:schemeClr val="bg1"/>
-          </a:bgClr>
-        </a:pattFill>
+        <a:solidFill>
+          <a:schemeClr val="tx1"/>
+        </a:solidFill>
         <a:effectLst/>
       </p:bgPr>
     </p:bg>
